--- a/Documentação/LLD v4.pptx
+++ b/Documentação/LLD v4.pptx
@@ -5,7 +5,7 @@
     <p:sldMasterId id="2147483648" r:id="rId1"/>
   </p:sldMasterIdLst>
   <p:sldIdLst>
-    <p:sldId id="256" r:id="rId3"/>
+    <p:sldId id="256" r:id="rId2"/>
   </p:sldIdLst>
   <p:sldSz cx="12192000" cy="6858000"/>
   <p:notesSz cx="6858000" cy="9144000"/>
@@ -104,6 +104,11 @@
       </a:defRPr>
     </a:lvl9pPr>
   </p:defaultTextStyle>
+  <p:extLst>
+    <p:ext uri="{EFAFB233-063F-42B5-8137-9DF3F51BA10A}">
+      <p15:sldGuideLst xmlns:p15="http://schemas.microsoft.com/office/powerpoint/2012/main"/>
+    </p:ext>
+  </p:extLst>
 </p:presentation>
 </file>
 
@@ -128,7 +133,7 @@
         <p:nvSpPr>
           <p:cNvPr id="2" name="Título 1"/>
           <p:cNvSpPr>
-            <a:spLocks noGrp="true"/>
+            <a:spLocks noGrp="1"/>
           </p:cNvSpPr>
           <p:nvPr>
             <p:ph type="ctrTitle"/>
@@ -149,10 +154,9 @@
           </a:lstStyle>
           <a:p>
             <a:r>
-              <a:rPr lang="pt-BR" smtClean="0"/>
+              <a:rPr lang="pt-BR"/>
               <a:t>Clique para editar o título mestre</a:t>
             </a:r>
-            <a:endParaRPr lang="pt-BR"/>
           </a:p>
         </p:txBody>
       </p:sp>
@@ -160,7 +164,7 @@
         <p:nvSpPr>
           <p:cNvPr id="3" name="Subtítulo 2"/>
           <p:cNvSpPr>
-            <a:spLocks noGrp="true"/>
+            <a:spLocks noGrp="1"/>
           </p:cNvSpPr>
           <p:nvPr>
             <p:ph type="subTitle" idx="1"/>
@@ -214,10 +218,9 @@
           </a:lstStyle>
           <a:p>
             <a:r>
-              <a:rPr lang="pt-BR" smtClean="0"/>
+              <a:rPr lang="pt-BR"/>
               <a:t>Clique para editar o estilo do subtítulo Mestre</a:t>
             </a:r>
-            <a:endParaRPr lang="pt-BR"/>
           </a:p>
         </p:txBody>
       </p:sp>
@@ -225,7 +228,7 @@
         <p:nvSpPr>
           <p:cNvPr id="4" name="Espaço Reservado para Data 3"/>
           <p:cNvSpPr>
-            <a:spLocks noGrp="true"/>
+            <a:spLocks noGrp="1"/>
           </p:cNvSpPr>
           <p:nvPr>
             <p:ph type="dt" sz="half" idx="10"/>
@@ -238,6 +241,7 @@
           <a:p>
             <a:fld id="{8F2AB003-24C4-473B-9A1E-D9D5BD42203F}" type="datetimeFigureOut">
               <a:rPr lang="pt-BR" smtClean="0"/>
+              <a:t>14/12/2020</a:t>
             </a:fld>
             <a:endParaRPr lang="pt-BR"/>
           </a:p>
@@ -247,7 +251,7 @@
         <p:nvSpPr>
           <p:cNvPr id="5" name="Espaço Reservado para Rodapé 4"/>
           <p:cNvSpPr>
-            <a:spLocks noGrp="true"/>
+            <a:spLocks noGrp="1"/>
           </p:cNvSpPr>
           <p:nvPr>
             <p:ph type="ftr" sz="quarter" idx="11"/>
@@ -266,7 +270,7 @@
         <p:nvSpPr>
           <p:cNvPr id="6" name="Espaço Reservado para Número de Slide 5"/>
           <p:cNvSpPr>
-            <a:spLocks noGrp="true"/>
+            <a:spLocks noGrp="1"/>
           </p:cNvSpPr>
           <p:nvPr>
             <p:ph type="sldNum" sz="quarter" idx="12"/>
@@ -279,6 +283,7 @@
           <a:p>
             <a:fld id="{6D0ED2A8-B42A-4DB8-96DB-42BD40AFEBFA}" type="slidenum">
               <a:rPr lang="pt-BR" smtClean="0"/>
+              <a:t>‹nº›</a:t>
             </a:fld>
             <a:endParaRPr lang="pt-BR"/>
           </a:p>
@@ -313,7 +318,7 @@
         <p:nvSpPr>
           <p:cNvPr id="2" name="Título 1"/>
           <p:cNvSpPr>
-            <a:spLocks noGrp="true"/>
+            <a:spLocks noGrp="1"/>
           </p:cNvSpPr>
           <p:nvPr>
             <p:ph type="title"/>
@@ -325,10 +330,9 @@
           <a:lstStyle/>
           <a:p>
             <a:r>
-              <a:rPr lang="pt-BR" smtClean="0"/>
+              <a:rPr lang="pt-BR"/>
               <a:t>Clique para editar o título mestre</a:t>
             </a:r>
-            <a:endParaRPr lang="pt-BR"/>
           </a:p>
         </p:txBody>
       </p:sp>
@@ -336,7 +340,7 @@
         <p:nvSpPr>
           <p:cNvPr id="3" name="Espaço Reservado para Texto Vertical 2"/>
           <p:cNvSpPr>
-            <a:spLocks noGrp="true"/>
+            <a:spLocks noGrp="1"/>
           </p:cNvSpPr>
           <p:nvPr>
             <p:ph type="body" orient="vert" idx="1"/>
@@ -349,42 +353,37 @@
           <a:p>
             <a:pPr lvl="0"/>
             <a:r>
-              <a:rPr lang="pt-BR" smtClean="0"/>
+              <a:rPr lang="pt-BR"/>
               <a:t>Editar estilos de texto Mestre</a:t>
             </a:r>
-            <a:endParaRPr lang="pt-BR" smtClean="0"/>
           </a:p>
           <a:p>
             <a:pPr lvl="1"/>
             <a:r>
-              <a:rPr lang="pt-BR" smtClean="0"/>
+              <a:rPr lang="pt-BR"/>
               <a:t>Segundo nível</a:t>
             </a:r>
-            <a:endParaRPr lang="pt-BR" smtClean="0"/>
           </a:p>
           <a:p>
             <a:pPr lvl="2"/>
             <a:r>
-              <a:rPr lang="pt-BR" smtClean="0"/>
+              <a:rPr lang="pt-BR"/>
               <a:t>Terceiro nível</a:t>
             </a:r>
-            <a:endParaRPr lang="pt-BR" smtClean="0"/>
           </a:p>
           <a:p>
             <a:pPr lvl="3"/>
             <a:r>
-              <a:rPr lang="pt-BR" smtClean="0"/>
+              <a:rPr lang="pt-BR"/>
               <a:t>Quarto nível</a:t>
             </a:r>
-            <a:endParaRPr lang="pt-BR" smtClean="0"/>
           </a:p>
           <a:p>
             <a:pPr lvl="4"/>
             <a:r>
-              <a:rPr lang="pt-BR" smtClean="0"/>
+              <a:rPr lang="pt-BR"/>
               <a:t>Quinto nível</a:t>
             </a:r>
-            <a:endParaRPr lang="pt-BR"/>
           </a:p>
         </p:txBody>
       </p:sp>
@@ -392,7 +391,7 @@
         <p:nvSpPr>
           <p:cNvPr id="4" name="Espaço Reservado para Data 3"/>
           <p:cNvSpPr>
-            <a:spLocks noGrp="true"/>
+            <a:spLocks noGrp="1"/>
           </p:cNvSpPr>
           <p:nvPr>
             <p:ph type="dt" sz="half" idx="10"/>
@@ -405,6 +404,7 @@
           <a:p>
             <a:fld id="{8F2AB003-24C4-473B-9A1E-D9D5BD42203F}" type="datetimeFigureOut">
               <a:rPr lang="pt-BR" smtClean="0"/>
+              <a:t>14/12/2020</a:t>
             </a:fld>
             <a:endParaRPr lang="pt-BR"/>
           </a:p>
@@ -414,7 +414,7 @@
         <p:nvSpPr>
           <p:cNvPr id="5" name="Espaço Reservado para Rodapé 4"/>
           <p:cNvSpPr>
-            <a:spLocks noGrp="true"/>
+            <a:spLocks noGrp="1"/>
           </p:cNvSpPr>
           <p:nvPr>
             <p:ph type="ftr" sz="quarter" idx="11"/>
@@ -433,7 +433,7 @@
         <p:nvSpPr>
           <p:cNvPr id="6" name="Espaço Reservado para Número de Slide 5"/>
           <p:cNvSpPr>
-            <a:spLocks noGrp="true"/>
+            <a:spLocks noGrp="1"/>
           </p:cNvSpPr>
           <p:nvPr>
             <p:ph type="sldNum" sz="quarter" idx="12"/>
@@ -446,6 +446,7 @@
           <a:p>
             <a:fld id="{6D0ED2A8-B42A-4DB8-96DB-42BD40AFEBFA}" type="slidenum">
               <a:rPr lang="pt-BR" smtClean="0"/>
+              <a:t>‹nº›</a:t>
             </a:fld>
             <a:endParaRPr lang="pt-BR"/>
           </a:p>
@@ -480,7 +481,7 @@
         <p:nvSpPr>
           <p:cNvPr id="2" name="Título Vertical 1"/>
           <p:cNvSpPr>
-            <a:spLocks noGrp="true"/>
+            <a:spLocks noGrp="1"/>
           </p:cNvSpPr>
           <p:nvPr>
             <p:ph type="title" orient="vert"/>
@@ -497,10 +498,9 @@
           <a:lstStyle/>
           <a:p>
             <a:r>
-              <a:rPr lang="pt-BR" smtClean="0"/>
+              <a:rPr lang="pt-BR"/>
               <a:t>Clique para editar o título mestre</a:t>
             </a:r>
-            <a:endParaRPr lang="pt-BR"/>
           </a:p>
         </p:txBody>
       </p:sp>
@@ -508,7 +508,7 @@
         <p:nvSpPr>
           <p:cNvPr id="3" name="Espaço Reservado para Texto Vertical 2"/>
           <p:cNvSpPr>
-            <a:spLocks noGrp="true"/>
+            <a:spLocks noGrp="1"/>
           </p:cNvSpPr>
           <p:nvPr>
             <p:ph type="body" orient="vert" idx="1"/>
@@ -526,42 +526,37 @@
           <a:p>
             <a:pPr lvl="0"/>
             <a:r>
-              <a:rPr lang="pt-BR" smtClean="0"/>
+              <a:rPr lang="pt-BR"/>
               <a:t>Editar estilos de texto Mestre</a:t>
             </a:r>
-            <a:endParaRPr lang="pt-BR" smtClean="0"/>
           </a:p>
           <a:p>
             <a:pPr lvl="1"/>
             <a:r>
-              <a:rPr lang="pt-BR" smtClean="0"/>
+              <a:rPr lang="pt-BR"/>
               <a:t>Segundo nível</a:t>
             </a:r>
-            <a:endParaRPr lang="pt-BR" smtClean="0"/>
           </a:p>
           <a:p>
             <a:pPr lvl="2"/>
             <a:r>
-              <a:rPr lang="pt-BR" smtClean="0"/>
+              <a:rPr lang="pt-BR"/>
               <a:t>Terceiro nível</a:t>
             </a:r>
-            <a:endParaRPr lang="pt-BR" smtClean="0"/>
           </a:p>
           <a:p>
             <a:pPr lvl="3"/>
             <a:r>
-              <a:rPr lang="pt-BR" smtClean="0"/>
+              <a:rPr lang="pt-BR"/>
               <a:t>Quarto nível</a:t>
             </a:r>
-            <a:endParaRPr lang="pt-BR" smtClean="0"/>
           </a:p>
           <a:p>
             <a:pPr lvl="4"/>
             <a:r>
-              <a:rPr lang="pt-BR" smtClean="0"/>
+              <a:rPr lang="pt-BR"/>
               <a:t>Quinto nível</a:t>
             </a:r>
-            <a:endParaRPr lang="pt-BR"/>
           </a:p>
         </p:txBody>
       </p:sp>
@@ -569,7 +564,7 @@
         <p:nvSpPr>
           <p:cNvPr id="4" name="Espaço Reservado para Data 3"/>
           <p:cNvSpPr>
-            <a:spLocks noGrp="true"/>
+            <a:spLocks noGrp="1"/>
           </p:cNvSpPr>
           <p:nvPr>
             <p:ph type="dt" sz="half" idx="10"/>
@@ -582,6 +577,7 @@
           <a:p>
             <a:fld id="{8F2AB003-24C4-473B-9A1E-D9D5BD42203F}" type="datetimeFigureOut">
               <a:rPr lang="pt-BR" smtClean="0"/>
+              <a:t>14/12/2020</a:t>
             </a:fld>
             <a:endParaRPr lang="pt-BR"/>
           </a:p>
@@ -591,7 +587,7 @@
         <p:nvSpPr>
           <p:cNvPr id="5" name="Espaço Reservado para Rodapé 4"/>
           <p:cNvSpPr>
-            <a:spLocks noGrp="true"/>
+            <a:spLocks noGrp="1"/>
           </p:cNvSpPr>
           <p:nvPr>
             <p:ph type="ftr" sz="quarter" idx="11"/>
@@ -610,7 +606,7 @@
         <p:nvSpPr>
           <p:cNvPr id="6" name="Espaço Reservado para Número de Slide 5"/>
           <p:cNvSpPr>
-            <a:spLocks noGrp="true"/>
+            <a:spLocks noGrp="1"/>
           </p:cNvSpPr>
           <p:nvPr>
             <p:ph type="sldNum" sz="quarter" idx="12"/>
@@ -623,6 +619,7 @@
           <a:p>
             <a:fld id="{6D0ED2A8-B42A-4DB8-96DB-42BD40AFEBFA}" type="slidenum">
               <a:rPr lang="pt-BR" smtClean="0"/>
+              <a:t>‹nº›</a:t>
             </a:fld>
             <a:endParaRPr lang="pt-BR"/>
           </a:p>
@@ -657,7 +654,7 @@
         <p:nvSpPr>
           <p:cNvPr id="2" name="Título 1"/>
           <p:cNvSpPr>
-            <a:spLocks noGrp="true"/>
+            <a:spLocks noGrp="1"/>
           </p:cNvSpPr>
           <p:nvPr>
             <p:ph type="title"/>
@@ -669,10 +666,9 @@
           <a:lstStyle/>
           <a:p>
             <a:r>
-              <a:rPr lang="pt-BR" smtClean="0"/>
+              <a:rPr lang="pt-BR"/>
               <a:t>Clique para editar o título mestre</a:t>
             </a:r>
-            <a:endParaRPr lang="pt-BR"/>
           </a:p>
         </p:txBody>
       </p:sp>
@@ -680,7 +676,7 @@
         <p:nvSpPr>
           <p:cNvPr id="3" name="Espaço Reservado para Conteúdo 2"/>
           <p:cNvSpPr>
-            <a:spLocks noGrp="true"/>
+            <a:spLocks noGrp="1"/>
           </p:cNvSpPr>
           <p:nvPr>
             <p:ph idx="1"/>
@@ -693,42 +689,37 @@
           <a:p>
             <a:pPr lvl="0"/>
             <a:r>
-              <a:rPr lang="pt-BR" smtClean="0"/>
+              <a:rPr lang="pt-BR"/>
               <a:t>Editar estilos de texto Mestre</a:t>
             </a:r>
-            <a:endParaRPr lang="pt-BR" smtClean="0"/>
           </a:p>
           <a:p>
             <a:pPr lvl="1"/>
             <a:r>
-              <a:rPr lang="pt-BR" smtClean="0"/>
+              <a:rPr lang="pt-BR"/>
               <a:t>Segundo nível</a:t>
             </a:r>
-            <a:endParaRPr lang="pt-BR" smtClean="0"/>
           </a:p>
           <a:p>
             <a:pPr lvl="2"/>
             <a:r>
-              <a:rPr lang="pt-BR" smtClean="0"/>
+              <a:rPr lang="pt-BR"/>
               <a:t>Terceiro nível</a:t>
             </a:r>
-            <a:endParaRPr lang="pt-BR" smtClean="0"/>
           </a:p>
           <a:p>
             <a:pPr lvl="3"/>
             <a:r>
-              <a:rPr lang="pt-BR" smtClean="0"/>
+              <a:rPr lang="pt-BR"/>
               <a:t>Quarto nível</a:t>
             </a:r>
-            <a:endParaRPr lang="pt-BR" smtClean="0"/>
           </a:p>
           <a:p>
             <a:pPr lvl="4"/>
             <a:r>
-              <a:rPr lang="pt-BR" smtClean="0"/>
+              <a:rPr lang="pt-BR"/>
               <a:t>Quinto nível</a:t>
             </a:r>
-            <a:endParaRPr lang="pt-BR"/>
           </a:p>
         </p:txBody>
       </p:sp>
@@ -736,7 +727,7 @@
         <p:nvSpPr>
           <p:cNvPr id="4" name="Espaço Reservado para Data 3"/>
           <p:cNvSpPr>
-            <a:spLocks noGrp="true"/>
+            <a:spLocks noGrp="1"/>
           </p:cNvSpPr>
           <p:nvPr>
             <p:ph type="dt" sz="half" idx="10"/>
@@ -749,6 +740,7 @@
           <a:p>
             <a:fld id="{8F2AB003-24C4-473B-9A1E-D9D5BD42203F}" type="datetimeFigureOut">
               <a:rPr lang="pt-BR" smtClean="0"/>
+              <a:t>14/12/2020</a:t>
             </a:fld>
             <a:endParaRPr lang="pt-BR"/>
           </a:p>
@@ -758,7 +750,7 @@
         <p:nvSpPr>
           <p:cNvPr id="5" name="Espaço Reservado para Rodapé 4"/>
           <p:cNvSpPr>
-            <a:spLocks noGrp="true"/>
+            <a:spLocks noGrp="1"/>
           </p:cNvSpPr>
           <p:nvPr>
             <p:ph type="ftr" sz="quarter" idx="11"/>
@@ -777,7 +769,7 @@
         <p:nvSpPr>
           <p:cNvPr id="6" name="Espaço Reservado para Número de Slide 5"/>
           <p:cNvSpPr>
-            <a:spLocks noGrp="true"/>
+            <a:spLocks noGrp="1"/>
           </p:cNvSpPr>
           <p:nvPr>
             <p:ph type="sldNum" sz="quarter" idx="12"/>
@@ -790,6 +782,7 @@
           <a:p>
             <a:fld id="{6D0ED2A8-B42A-4DB8-96DB-42BD40AFEBFA}" type="slidenum">
               <a:rPr lang="pt-BR" smtClean="0"/>
+              <a:t>‹nº›</a:t>
             </a:fld>
             <a:endParaRPr lang="pt-BR"/>
           </a:p>
@@ -824,7 +817,7 @@
         <p:nvSpPr>
           <p:cNvPr id="2" name="Título 1"/>
           <p:cNvSpPr>
-            <a:spLocks noGrp="true"/>
+            <a:spLocks noGrp="1"/>
           </p:cNvSpPr>
           <p:nvPr>
             <p:ph type="title"/>
@@ -845,10 +838,9 @@
           </a:lstStyle>
           <a:p>
             <a:r>
-              <a:rPr lang="pt-BR" smtClean="0"/>
+              <a:rPr lang="pt-BR"/>
               <a:t>Clique para editar o título mestre</a:t>
             </a:r>
-            <a:endParaRPr lang="pt-BR"/>
           </a:p>
         </p:txBody>
       </p:sp>
@@ -856,7 +848,7 @@
         <p:nvSpPr>
           <p:cNvPr id="3" name="Espaço Reservado para Texto 2"/>
           <p:cNvSpPr>
-            <a:spLocks noGrp="true"/>
+            <a:spLocks noGrp="1"/>
           </p:cNvSpPr>
           <p:nvPr>
             <p:ph type="body" idx="1"/>
@@ -965,10 +957,9 @@
           <a:p>
             <a:pPr lvl="0"/>
             <a:r>
-              <a:rPr lang="pt-BR" smtClean="0"/>
+              <a:rPr lang="pt-BR"/>
               <a:t>Editar estilos de texto Mestre</a:t>
             </a:r>
-            <a:endParaRPr lang="pt-BR" smtClean="0"/>
           </a:p>
         </p:txBody>
       </p:sp>
@@ -976,7 +967,7 @@
         <p:nvSpPr>
           <p:cNvPr id="4" name="Espaço Reservado para Data 3"/>
           <p:cNvSpPr>
-            <a:spLocks noGrp="true"/>
+            <a:spLocks noGrp="1"/>
           </p:cNvSpPr>
           <p:nvPr>
             <p:ph type="dt" sz="half" idx="10"/>
@@ -989,6 +980,7 @@
           <a:p>
             <a:fld id="{8F2AB003-24C4-473B-9A1E-D9D5BD42203F}" type="datetimeFigureOut">
               <a:rPr lang="pt-BR" smtClean="0"/>
+              <a:t>14/12/2020</a:t>
             </a:fld>
             <a:endParaRPr lang="pt-BR"/>
           </a:p>
@@ -998,7 +990,7 @@
         <p:nvSpPr>
           <p:cNvPr id="5" name="Espaço Reservado para Rodapé 4"/>
           <p:cNvSpPr>
-            <a:spLocks noGrp="true"/>
+            <a:spLocks noGrp="1"/>
           </p:cNvSpPr>
           <p:nvPr>
             <p:ph type="ftr" sz="quarter" idx="11"/>
@@ -1017,7 +1009,7 @@
         <p:nvSpPr>
           <p:cNvPr id="6" name="Espaço Reservado para Número de Slide 5"/>
           <p:cNvSpPr>
-            <a:spLocks noGrp="true"/>
+            <a:spLocks noGrp="1"/>
           </p:cNvSpPr>
           <p:nvPr>
             <p:ph type="sldNum" sz="quarter" idx="12"/>
@@ -1030,6 +1022,7 @@
           <a:p>
             <a:fld id="{6D0ED2A8-B42A-4DB8-96DB-42BD40AFEBFA}" type="slidenum">
               <a:rPr lang="pt-BR" smtClean="0"/>
+              <a:t>‹nº›</a:t>
             </a:fld>
             <a:endParaRPr lang="pt-BR"/>
           </a:p>
@@ -1064,7 +1057,7 @@
         <p:nvSpPr>
           <p:cNvPr id="2" name="Título 1"/>
           <p:cNvSpPr>
-            <a:spLocks noGrp="true"/>
+            <a:spLocks noGrp="1"/>
           </p:cNvSpPr>
           <p:nvPr>
             <p:ph type="title"/>
@@ -1076,10 +1069,9 @@
           <a:lstStyle/>
           <a:p>
             <a:r>
-              <a:rPr lang="pt-BR" smtClean="0"/>
+              <a:rPr lang="pt-BR"/>
               <a:t>Clique para editar o título mestre</a:t>
             </a:r>
-            <a:endParaRPr lang="pt-BR"/>
           </a:p>
         </p:txBody>
       </p:sp>
@@ -1087,7 +1079,7 @@
         <p:nvSpPr>
           <p:cNvPr id="3" name="Espaço Reservado para Conteúdo 2"/>
           <p:cNvSpPr>
-            <a:spLocks noGrp="true"/>
+            <a:spLocks noGrp="1"/>
           </p:cNvSpPr>
           <p:nvPr>
             <p:ph sz="half" idx="1"/>
@@ -1105,42 +1097,37 @@
           <a:p>
             <a:pPr lvl="0"/>
             <a:r>
-              <a:rPr lang="pt-BR" smtClean="0"/>
+              <a:rPr lang="pt-BR"/>
               <a:t>Editar estilos de texto Mestre</a:t>
             </a:r>
-            <a:endParaRPr lang="pt-BR" smtClean="0"/>
           </a:p>
           <a:p>
             <a:pPr lvl="1"/>
             <a:r>
-              <a:rPr lang="pt-BR" smtClean="0"/>
+              <a:rPr lang="pt-BR"/>
               <a:t>Segundo nível</a:t>
             </a:r>
-            <a:endParaRPr lang="pt-BR" smtClean="0"/>
           </a:p>
           <a:p>
             <a:pPr lvl="2"/>
             <a:r>
-              <a:rPr lang="pt-BR" smtClean="0"/>
+              <a:rPr lang="pt-BR"/>
               <a:t>Terceiro nível</a:t>
             </a:r>
-            <a:endParaRPr lang="pt-BR" smtClean="0"/>
           </a:p>
           <a:p>
             <a:pPr lvl="3"/>
             <a:r>
-              <a:rPr lang="pt-BR" smtClean="0"/>
+              <a:rPr lang="pt-BR"/>
               <a:t>Quarto nível</a:t>
             </a:r>
-            <a:endParaRPr lang="pt-BR" smtClean="0"/>
           </a:p>
           <a:p>
             <a:pPr lvl="4"/>
             <a:r>
-              <a:rPr lang="pt-BR" smtClean="0"/>
+              <a:rPr lang="pt-BR"/>
               <a:t>Quinto nível</a:t>
             </a:r>
-            <a:endParaRPr lang="pt-BR"/>
           </a:p>
         </p:txBody>
       </p:sp>
@@ -1148,7 +1135,7 @@
         <p:nvSpPr>
           <p:cNvPr id="4" name="Espaço Reservado para Conteúdo 3"/>
           <p:cNvSpPr>
-            <a:spLocks noGrp="true"/>
+            <a:spLocks noGrp="1"/>
           </p:cNvSpPr>
           <p:nvPr>
             <p:ph sz="half" idx="2"/>
@@ -1166,42 +1153,37 @@
           <a:p>
             <a:pPr lvl="0"/>
             <a:r>
-              <a:rPr lang="pt-BR" smtClean="0"/>
+              <a:rPr lang="pt-BR"/>
               <a:t>Editar estilos de texto Mestre</a:t>
             </a:r>
-            <a:endParaRPr lang="pt-BR" smtClean="0"/>
           </a:p>
           <a:p>
             <a:pPr lvl="1"/>
             <a:r>
-              <a:rPr lang="pt-BR" smtClean="0"/>
+              <a:rPr lang="pt-BR"/>
               <a:t>Segundo nível</a:t>
             </a:r>
-            <a:endParaRPr lang="pt-BR" smtClean="0"/>
           </a:p>
           <a:p>
             <a:pPr lvl="2"/>
             <a:r>
-              <a:rPr lang="pt-BR" smtClean="0"/>
+              <a:rPr lang="pt-BR"/>
               <a:t>Terceiro nível</a:t>
             </a:r>
-            <a:endParaRPr lang="pt-BR" smtClean="0"/>
           </a:p>
           <a:p>
             <a:pPr lvl="3"/>
             <a:r>
-              <a:rPr lang="pt-BR" smtClean="0"/>
+              <a:rPr lang="pt-BR"/>
               <a:t>Quarto nível</a:t>
             </a:r>
-            <a:endParaRPr lang="pt-BR" smtClean="0"/>
           </a:p>
           <a:p>
             <a:pPr lvl="4"/>
             <a:r>
-              <a:rPr lang="pt-BR" smtClean="0"/>
+              <a:rPr lang="pt-BR"/>
               <a:t>Quinto nível</a:t>
             </a:r>
-            <a:endParaRPr lang="pt-BR"/>
           </a:p>
         </p:txBody>
       </p:sp>
@@ -1209,7 +1191,7 @@
         <p:nvSpPr>
           <p:cNvPr id="5" name="Espaço Reservado para Data 4"/>
           <p:cNvSpPr>
-            <a:spLocks noGrp="true"/>
+            <a:spLocks noGrp="1"/>
           </p:cNvSpPr>
           <p:nvPr>
             <p:ph type="dt" sz="half" idx="10"/>
@@ -1222,6 +1204,7 @@
           <a:p>
             <a:fld id="{8F2AB003-24C4-473B-9A1E-D9D5BD42203F}" type="datetimeFigureOut">
               <a:rPr lang="pt-BR" smtClean="0"/>
+              <a:t>14/12/2020</a:t>
             </a:fld>
             <a:endParaRPr lang="pt-BR"/>
           </a:p>
@@ -1231,7 +1214,7 @@
         <p:nvSpPr>
           <p:cNvPr id="6" name="Espaço Reservado para Rodapé 5"/>
           <p:cNvSpPr>
-            <a:spLocks noGrp="true"/>
+            <a:spLocks noGrp="1"/>
           </p:cNvSpPr>
           <p:nvPr>
             <p:ph type="ftr" sz="quarter" idx="11"/>
@@ -1250,7 +1233,7 @@
         <p:nvSpPr>
           <p:cNvPr id="7" name="Espaço Reservado para Número de Slide 6"/>
           <p:cNvSpPr>
-            <a:spLocks noGrp="true"/>
+            <a:spLocks noGrp="1"/>
           </p:cNvSpPr>
           <p:nvPr>
             <p:ph type="sldNum" sz="quarter" idx="12"/>
@@ -1263,6 +1246,7 @@
           <a:p>
             <a:fld id="{6D0ED2A8-B42A-4DB8-96DB-42BD40AFEBFA}" type="slidenum">
               <a:rPr lang="pt-BR" smtClean="0"/>
+              <a:t>‹nº›</a:t>
             </a:fld>
             <a:endParaRPr lang="pt-BR"/>
           </a:p>
@@ -1297,7 +1281,7 @@
         <p:nvSpPr>
           <p:cNvPr id="2" name="Título 1"/>
           <p:cNvSpPr>
-            <a:spLocks noGrp="true"/>
+            <a:spLocks noGrp="1"/>
           </p:cNvSpPr>
           <p:nvPr>
             <p:ph type="title"/>
@@ -1314,10 +1298,9 @@
           <a:lstStyle/>
           <a:p>
             <a:r>
-              <a:rPr lang="pt-BR" smtClean="0"/>
+              <a:rPr lang="pt-BR"/>
               <a:t>Clique para editar o título mestre</a:t>
             </a:r>
-            <a:endParaRPr lang="pt-BR"/>
           </a:p>
         </p:txBody>
       </p:sp>
@@ -1325,7 +1308,7 @@
         <p:nvSpPr>
           <p:cNvPr id="3" name="Espaço Reservado para Texto 2"/>
           <p:cNvSpPr>
-            <a:spLocks noGrp="true"/>
+            <a:spLocks noGrp="1"/>
           </p:cNvSpPr>
           <p:nvPr>
             <p:ph type="body" idx="1"/>
@@ -1380,10 +1363,9 @@
           <a:p>
             <a:pPr lvl="0"/>
             <a:r>
-              <a:rPr lang="pt-BR" smtClean="0"/>
+              <a:rPr lang="pt-BR"/>
               <a:t>Editar estilos de texto Mestre</a:t>
             </a:r>
-            <a:endParaRPr lang="pt-BR" smtClean="0"/>
           </a:p>
         </p:txBody>
       </p:sp>
@@ -1391,7 +1373,7 @@
         <p:nvSpPr>
           <p:cNvPr id="4" name="Espaço Reservado para Conteúdo 3"/>
           <p:cNvSpPr>
-            <a:spLocks noGrp="true"/>
+            <a:spLocks noGrp="1"/>
           </p:cNvSpPr>
           <p:nvPr>
             <p:ph sz="half" idx="2"/>
@@ -1409,42 +1391,37 @@
           <a:p>
             <a:pPr lvl="0"/>
             <a:r>
-              <a:rPr lang="pt-BR" smtClean="0"/>
+              <a:rPr lang="pt-BR"/>
               <a:t>Editar estilos de texto Mestre</a:t>
             </a:r>
-            <a:endParaRPr lang="pt-BR" smtClean="0"/>
           </a:p>
           <a:p>
             <a:pPr lvl="1"/>
             <a:r>
-              <a:rPr lang="pt-BR" smtClean="0"/>
+              <a:rPr lang="pt-BR"/>
               <a:t>Segundo nível</a:t>
             </a:r>
-            <a:endParaRPr lang="pt-BR" smtClean="0"/>
           </a:p>
           <a:p>
             <a:pPr lvl="2"/>
             <a:r>
-              <a:rPr lang="pt-BR" smtClean="0"/>
+              <a:rPr lang="pt-BR"/>
               <a:t>Terceiro nível</a:t>
             </a:r>
-            <a:endParaRPr lang="pt-BR" smtClean="0"/>
           </a:p>
           <a:p>
             <a:pPr lvl="3"/>
             <a:r>
-              <a:rPr lang="pt-BR" smtClean="0"/>
+              <a:rPr lang="pt-BR"/>
               <a:t>Quarto nível</a:t>
             </a:r>
-            <a:endParaRPr lang="pt-BR" smtClean="0"/>
           </a:p>
           <a:p>
             <a:pPr lvl="4"/>
             <a:r>
-              <a:rPr lang="pt-BR" smtClean="0"/>
+              <a:rPr lang="pt-BR"/>
               <a:t>Quinto nível</a:t>
             </a:r>
-            <a:endParaRPr lang="pt-BR"/>
           </a:p>
         </p:txBody>
       </p:sp>
@@ -1452,7 +1429,7 @@
         <p:nvSpPr>
           <p:cNvPr id="5" name="Espaço Reservado para Texto 4"/>
           <p:cNvSpPr>
-            <a:spLocks noGrp="true"/>
+            <a:spLocks noGrp="1"/>
           </p:cNvSpPr>
           <p:nvPr>
             <p:ph type="body" sz="quarter" idx="3"/>
@@ -1507,10 +1484,9 @@
           <a:p>
             <a:pPr lvl="0"/>
             <a:r>
-              <a:rPr lang="pt-BR" smtClean="0"/>
+              <a:rPr lang="pt-BR"/>
               <a:t>Editar estilos de texto Mestre</a:t>
             </a:r>
-            <a:endParaRPr lang="pt-BR" smtClean="0"/>
           </a:p>
         </p:txBody>
       </p:sp>
@@ -1518,7 +1494,7 @@
         <p:nvSpPr>
           <p:cNvPr id="6" name="Espaço Reservado para Conteúdo 5"/>
           <p:cNvSpPr>
-            <a:spLocks noGrp="true"/>
+            <a:spLocks noGrp="1"/>
           </p:cNvSpPr>
           <p:nvPr>
             <p:ph sz="quarter" idx="4"/>
@@ -1536,42 +1512,37 @@
           <a:p>
             <a:pPr lvl="0"/>
             <a:r>
-              <a:rPr lang="pt-BR" smtClean="0"/>
+              <a:rPr lang="pt-BR"/>
               <a:t>Editar estilos de texto Mestre</a:t>
             </a:r>
-            <a:endParaRPr lang="pt-BR" smtClean="0"/>
           </a:p>
           <a:p>
             <a:pPr lvl="1"/>
             <a:r>
-              <a:rPr lang="pt-BR" smtClean="0"/>
+              <a:rPr lang="pt-BR"/>
               <a:t>Segundo nível</a:t>
             </a:r>
-            <a:endParaRPr lang="pt-BR" smtClean="0"/>
           </a:p>
           <a:p>
             <a:pPr lvl="2"/>
             <a:r>
-              <a:rPr lang="pt-BR" smtClean="0"/>
+              <a:rPr lang="pt-BR"/>
               <a:t>Terceiro nível</a:t>
             </a:r>
-            <a:endParaRPr lang="pt-BR" smtClean="0"/>
           </a:p>
           <a:p>
             <a:pPr lvl="3"/>
             <a:r>
-              <a:rPr lang="pt-BR" smtClean="0"/>
+              <a:rPr lang="pt-BR"/>
               <a:t>Quarto nível</a:t>
             </a:r>
-            <a:endParaRPr lang="pt-BR" smtClean="0"/>
           </a:p>
           <a:p>
             <a:pPr lvl="4"/>
             <a:r>
-              <a:rPr lang="pt-BR" smtClean="0"/>
+              <a:rPr lang="pt-BR"/>
               <a:t>Quinto nível</a:t>
             </a:r>
-            <a:endParaRPr lang="pt-BR"/>
           </a:p>
         </p:txBody>
       </p:sp>
@@ -1579,7 +1550,7 @@
         <p:nvSpPr>
           <p:cNvPr id="7" name="Espaço Reservado para Data 6"/>
           <p:cNvSpPr>
-            <a:spLocks noGrp="true"/>
+            <a:spLocks noGrp="1"/>
           </p:cNvSpPr>
           <p:nvPr>
             <p:ph type="dt" sz="half" idx="10"/>
@@ -1592,6 +1563,7 @@
           <a:p>
             <a:fld id="{8F2AB003-24C4-473B-9A1E-D9D5BD42203F}" type="datetimeFigureOut">
               <a:rPr lang="pt-BR" smtClean="0"/>
+              <a:t>14/12/2020</a:t>
             </a:fld>
             <a:endParaRPr lang="pt-BR"/>
           </a:p>
@@ -1601,7 +1573,7 @@
         <p:nvSpPr>
           <p:cNvPr id="8" name="Espaço Reservado para Rodapé 7"/>
           <p:cNvSpPr>
-            <a:spLocks noGrp="true"/>
+            <a:spLocks noGrp="1"/>
           </p:cNvSpPr>
           <p:nvPr>
             <p:ph type="ftr" sz="quarter" idx="11"/>
@@ -1620,7 +1592,7 @@
         <p:nvSpPr>
           <p:cNvPr id="9" name="Espaço Reservado para Número de Slide 8"/>
           <p:cNvSpPr>
-            <a:spLocks noGrp="true"/>
+            <a:spLocks noGrp="1"/>
           </p:cNvSpPr>
           <p:nvPr>
             <p:ph type="sldNum" sz="quarter" idx="12"/>
@@ -1633,6 +1605,7 @@
           <a:p>
             <a:fld id="{6D0ED2A8-B42A-4DB8-96DB-42BD40AFEBFA}" type="slidenum">
               <a:rPr lang="pt-BR" smtClean="0"/>
+              <a:t>‹nº›</a:t>
             </a:fld>
             <a:endParaRPr lang="pt-BR"/>
           </a:p>
@@ -1667,7 +1640,7 @@
         <p:nvSpPr>
           <p:cNvPr id="2" name="Título 1"/>
           <p:cNvSpPr>
-            <a:spLocks noGrp="true"/>
+            <a:spLocks noGrp="1"/>
           </p:cNvSpPr>
           <p:nvPr>
             <p:ph type="title"/>
@@ -1679,10 +1652,9 @@
           <a:lstStyle/>
           <a:p>
             <a:r>
-              <a:rPr lang="pt-BR" smtClean="0"/>
+              <a:rPr lang="pt-BR"/>
               <a:t>Clique para editar o título mestre</a:t>
             </a:r>
-            <a:endParaRPr lang="pt-BR"/>
           </a:p>
         </p:txBody>
       </p:sp>
@@ -1690,7 +1662,7 @@
         <p:nvSpPr>
           <p:cNvPr id="3" name="Espaço Reservado para Data 2"/>
           <p:cNvSpPr>
-            <a:spLocks noGrp="true"/>
+            <a:spLocks noGrp="1"/>
           </p:cNvSpPr>
           <p:nvPr>
             <p:ph type="dt" sz="half" idx="10"/>
@@ -1703,6 +1675,7 @@
           <a:p>
             <a:fld id="{8F2AB003-24C4-473B-9A1E-D9D5BD42203F}" type="datetimeFigureOut">
               <a:rPr lang="pt-BR" smtClean="0"/>
+              <a:t>14/12/2020</a:t>
             </a:fld>
             <a:endParaRPr lang="pt-BR"/>
           </a:p>
@@ -1712,7 +1685,7 @@
         <p:nvSpPr>
           <p:cNvPr id="4" name="Espaço Reservado para Rodapé 3"/>
           <p:cNvSpPr>
-            <a:spLocks noGrp="true"/>
+            <a:spLocks noGrp="1"/>
           </p:cNvSpPr>
           <p:nvPr>
             <p:ph type="ftr" sz="quarter" idx="11"/>
@@ -1731,7 +1704,7 @@
         <p:nvSpPr>
           <p:cNvPr id="5" name="Espaço Reservado para Número de Slide 4"/>
           <p:cNvSpPr>
-            <a:spLocks noGrp="true"/>
+            <a:spLocks noGrp="1"/>
           </p:cNvSpPr>
           <p:nvPr>
             <p:ph type="sldNum" sz="quarter" idx="12"/>
@@ -1744,6 +1717,7 @@
           <a:p>
             <a:fld id="{6D0ED2A8-B42A-4DB8-96DB-42BD40AFEBFA}" type="slidenum">
               <a:rPr lang="pt-BR" smtClean="0"/>
+              <a:t>‹nº›</a:t>
             </a:fld>
             <a:endParaRPr lang="pt-BR"/>
           </a:p>
@@ -1778,7 +1752,7 @@
         <p:nvSpPr>
           <p:cNvPr id="2" name="Espaço Reservado para Data 1"/>
           <p:cNvSpPr>
-            <a:spLocks noGrp="true"/>
+            <a:spLocks noGrp="1"/>
           </p:cNvSpPr>
           <p:nvPr>
             <p:ph type="dt" sz="half" idx="10"/>
@@ -1791,6 +1765,7 @@
           <a:p>
             <a:fld id="{8F2AB003-24C4-473B-9A1E-D9D5BD42203F}" type="datetimeFigureOut">
               <a:rPr lang="pt-BR" smtClean="0"/>
+              <a:t>14/12/2020</a:t>
             </a:fld>
             <a:endParaRPr lang="pt-BR"/>
           </a:p>
@@ -1800,7 +1775,7 @@
         <p:nvSpPr>
           <p:cNvPr id="3" name="Espaço Reservado para Rodapé 2"/>
           <p:cNvSpPr>
-            <a:spLocks noGrp="true"/>
+            <a:spLocks noGrp="1"/>
           </p:cNvSpPr>
           <p:nvPr>
             <p:ph type="ftr" sz="quarter" idx="11"/>
@@ -1819,7 +1794,7 @@
         <p:nvSpPr>
           <p:cNvPr id="4" name="Espaço Reservado para Número de Slide 3"/>
           <p:cNvSpPr>
-            <a:spLocks noGrp="true"/>
+            <a:spLocks noGrp="1"/>
           </p:cNvSpPr>
           <p:nvPr>
             <p:ph type="sldNum" sz="quarter" idx="12"/>
@@ -1832,6 +1807,7 @@
           <a:p>
             <a:fld id="{6D0ED2A8-B42A-4DB8-96DB-42BD40AFEBFA}" type="slidenum">
               <a:rPr lang="pt-BR" smtClean="0"/>
+              <a:t>‹nº›</a:t>
             </a:fld>
             <a:endParaRPr lang="pt-BR"/>
           </a:p>
@@ -1866,7 +1842,7 @@
         <p:nvSpPr>
           <p:cNvPr id="2" name="Título 1"/>
           <p:cNvSpPr>
-            <a:spLocks noGrp="true"/>
+            <a:spLocks noGrp="1"/>
           </p:cNvSpPr>
           <p:nvPr>
             <p:ph type="title"/>
@@ -1887,10 +1863,9 @@
           </a:lstStyle>
           <a:p>
             <a:r>
-              <a:rPr lang="pt-BR" smtClean="0"/>
+              <a:rPr lang="pt-BR"/>
               <a:t>Clique para editar o título mestre</a:t>
             </a:r>
-            <a:endParaRPr lang="pt-BR"/>
           </a:p>
         </p:txBody>
       </p:sp>
@@ -1898,7 +1873,7 @@
         <p:nvSpPr>
           <p:cNvPr id="3" name="Espaço Reservado para Conteúdo 2"/>
           <p:cNvSpPr>
-            <a:spLocks noGrp="true"/>
+            <a:spLocks noGrp="1"/>
           </p:cNvSpPr>
           <p:nvPr>
             <p:ph idx="1"/>
@@ -1944,42 +1919,37 @@
           <a:p>
             <a:pPr lvl="0"/>
             <a:r>
-              <a:rPr lang="pt-BR" smtClean="0"/>
+              <a:rPr lang="pt-BR"/>
               <a:t>Editar estilos de texto Mestre</a:t>
             </a:r>
-            <a:endParaRPr lang="pt-BR" smtClean="0"/>
           </a:p>
           <a:p>
             <a:pPr lvl="1"/>
             <a:r>
-              <a:rPr lang="pt-BR" smtClean="0"/>
+              <a:rPr lang="pt-BR"/>
               <a:t>Segundo nível</a:t>
             </a:r>
-            <a:endParaRPr lang="pt-BR" smtClean="0"/>
           </a:p>
           <a:p>
             <a:pPr lvl="2"/>
             <a:r>
-              <a:rPr lang="pt-BR" smtClean="0"/>
+              <a:rPr lang="pt-BR"/>
               <a:t>Terceiro nível</a:t>
             </a:r>
-            <a:endParaRPr lang="pt-BR" smtClean="0"/>
           </a:p>
           <a:p>
             <a:pPr lvl="3"/>
             <a:r>
-              <a:rPr lang="pt-BR" smtClean="0"/>
+              <a:rPr lang="pt-BR"/>
               <a:t>Quarto nível</a:t>
             </a:r>
-            <a:endParaRPr lang="pt-BR" smtClean="0"/>
           </a:p>
           <a:p>
             <a:pPr lvl="4"/>
             <a:r>
-              <a:rPr lang="pt-BR" smtClean="0"/>
+              <a:rPr lang="pt-BR"/>
               <a:t>Quinto nível</a:t>
             </a:r>
-            <a:endParaRPr lang="pt-BR"/>
           </a:p>
         </p:txBody>
       </p:sp>
@@ -1987,7 +1957,7 @@
         <p:nvSpPr>
           <p:cNvPr id="4" name="Espaço Reservado para Texto 3"/>
           <p:cNvSpPr>
-            <a:spLocks noGrp="true"/>
+            <a:spLocks noGrp="1"/>
           </p:cNvSpPr>
           <p:nvPr>
             <p:ph type="body" sz="half" idx="2"/>
@@ -2042,10 +2012,9 @@
           <a:p>
             <a:pPr lvl="0"/>
             <a:r>
-              <a:rPr lang="pt-BR" smtClean="0"/>
+              <a:rPr lang="pt-BR"/>
               <a:t>Editar estilos de texto Mestre</a:t>
             </a:r>
-            <a:endParaRPr lang="pt-BR" smtClean="0"/>
           </a:p>
         </p:txBody>
       </p:sp>
@@ -2053,7 +2022,7 @@
         <p:nvSpPr>
           <p:cNvPr id="5" name="Espaço Reservado para Data 4"/>
           <p:cNvSpPr>
-            <a:spLocks noGrp="true"/>
+            <a:spLocks noGrp="1"/>
           </p:cNvSpPr>
           <p:nvPr>
             <p:ph type="dt" sz="half" idx="10"/>
@@ -2066,6 +2035,7 @@
           <a:p>
             <a:fld id="{8F2AB003-24C4-473B-9A1E-D9D5BD42203F}" type="datetimeFigureOut">
               <a:rPr lang="pt-BR" smtClean="0"/>
+              <a:t>14/12/2020</a:t>
             </a:fld>
             <a:endParaRPr lang="pt-BR"/>
           </a:p>
@@ -2075,7 +2045,7 @@
         <p:nvSpPr>
           <p:cNvPr id="6" name="Espaço Reservado para Rodapé 5"/>
           <p:cNvSpPr>
-            <a:spLocks noGrp="true"/>
+            <a:spLocks noGrp="1"/>
           </p:cNvSpPr>
           <p:nvPr>
             <p:ph type="ftr" sz="quarter" idx="11"/>
@@ -2094,7 +2064,7 @@
         <p:nvSpPr>
           <p:cNvPr id="7" name="Espaço Reservado para Número de Slide 6"/>
           <p:cNvSpPr>
-            <a:spLocks noGrp="true"/>
+            <a:spLocks noGrp="1"/>
           </p:cNvSpPr>
           <p:nvPr>
             <p:ph type="sldNum" sz="quarter" idx="12"/>
@@ -2107,6 +2077,7 @@
           <a:p>
             <a:fld id="{6D0ED2A8-B42A-4DB8-96DB-42BD40AFEBFA}" type="slidenum">
               <a:rPr lang="pt-BR" smtClean="0"/>
+              <a:t>‹nº›</a:t>
             </a:fld>
             <a:endParaRPr lang="pt-BR"/>
           </a:p>
@@ -2141,7 +2112,7 @@
         <p:nvSpPr>
           <p:cNvPr id="2" name="Título 1"/>
           <p:cNvSpPr>
-            <a:spLocks noGrp="true"/>
+            <a:spLocks noGrp="1"/>
           </p:cNvSpPr>
           <p:nvPr>
             <p:ph type="title"/>
@@ -2162,10 +2133,9 @@
           </a:lstStyle>
           <a:p>
             <a:r>
-              <a:rPr lang="pt-BR" smtClean="0"/>
+              <a:rPr lang="pt-BR"/>
               <a:t>Clique para editar o título mestre</a:t>
             </a:r>
-            <a:endParaRPr lang="pt-BR"/>
           </a:p>
         </p:txBody>
       </p:sp>
@@ -2173,7 +2143,7 @@
         <p:nvSpPr>
           <p:cNvPr id="3" name="Espaço Reservado para Imagem 2"/>
           <p:cNvSpPr>
-            <a:spLocks noGrp="true"/>
+            <a:spLocks noGrp="1"/>
           </p:cNvSpPr>
           <p:nvPr>
             <p:ph type="pic" idx="1"/>
@@ -2234,7 +2204,7 @@
         <p:nvSpPr>
           <p:cNvPr id="4" name="Espaço Reservado para Texto 3"/>
           <p:cNvSpPr>
-            <a:spLocks noGrp="true"/>
+            <a:spLocks noGrp="1"/>
           </p:cNvSpPr>
           <p:nvPr>
             <p:ph type="body" sz="half" idx="2"/>
@@ -2289,10 +2259,9 @@
           <a:p>
             <a:pPr lvl="0"/>
             <a:r>
-              <a:rPr lang="pt-BR" smtClean="0"/>
+              <a:rPr lang="pt-BR"/>
               <a:t>Editar estilos de texto Mestre</a:t>
             </a:r>
-            <a:endParaRPr lang="pt-BR" smtClean="0"/>
           </a:p>
         </p:txBody>
       </p:sp>
@@ -2300,7 +2269,7 @@
         <p:nvSpPr>
           <p:cNvPr id="5" name="Espaço Reservado para Data 4"/>
           <p:cNvSpPr>
-            <a:spLocks noGrp="true"/>
+            <a:spLocks noGrp="1"/>
           </p:cNvSpPr>
           <p:nvPr>
             <p:ph type="dt" sz="half" idx="10"/>
@@ -2313,6 +2282,7 @@
           <a:p>
             <a:fld id="{8F2AB003-24C4-473B-9A1E-D9D5BD42203F}" type="datetimeFigureOut">
               <a:rPr lang="pt-BR" smtClean="0"/>
+              <a:t>14/12/2020</a:t>
             </a:fld>
             <a:endParaRPr lang="pt-BR"/>
           </a:p>
@@ -2322,7 +2292,7 @@
         <p:nvSpPr>
           <p:cNvPr id="6" name="Espaço Reservado para Rodapé 5"/>
           <p:cNvSpPr>
-            <a:spLocks noGrp="true"/>
+            <a:spLocks noGrp="1"/>
           </p:cNvSpPr>
           <p:nvPr>
             <p:ph type="ftr" sz="quarter" idx="11"/>
@@ -2341,7 +2311,7 @@
         <p:nvSpPr>
           <p:cNvPr id="7" name="Espaço Reservado para Número de Slide 6"/>
           <p:cNvSpPr>
-            <a:spLocks noGrp="true"/>
+            <a:spLocks noGrp="1"/>
           </p:cNvSpPr>
           <p:nvPr>
             <p:ph type="sldNum" sz="quarter" idx="12"/>
@@ -2354,6 +2324,7 @@
           <a:p>
             <a:fld id="{6D0ED2A8-B42A-4DB8-96DB-42BD40AFEBFA}" type="slidenum">
               <a:rPr lang="pt-BR" smtClean="0"/>
+              <a:t>‹nº›</a:t>
             </a:fld>
             <a:endParaRPr lang="pt-BR"/>
           </a:p>
@@ -2393,7 +2364,7 @@
         <p:nvSpPr>
           <p:cNvPr id="2" name="Espaço Reservado para Título 1"/>
           <p:cNvSpPr>
-            <a:spLocks noGrp="true"/>
+            <a:spLocks noGrp="1"/>
           </p:cNvSpPr>
           <p:nvPr>
             <p:ph type="title"/>
@@ -2415,10 +2386,9 @@
           <a:lstStyle/>
           <a:p>
             <a:r>
-              <a:rPr lang="pt-BR" smtClean="0"/>
+              <a:rPr lang="pt-BR"/>
               <a:t>Clique para editar o título mestre</a:t>
             </a:r>
-            <a:endParaRPr lang="pt-BR"/>
           </a:p>
         </p:txBody>
       </p:sp>
@@ -2426,7 +2396,7 @@
         <p:nvSpPr>
           <p:cNvPr id="3" name="Espaço Reservado para Texto 2"/>
           <p:cNvSpPr>
-            <a:spLocks noGrp="true"/>
+            <a:spLocks noGrp="1"/>
           </p:cNvSpPr>
           <p:nvPr>
             <p:ph type="body" idx="1"/>
@@ -2449,42 +2419,37 @@
           <a:p>
             <a:pPr lvl="0"/>
             <a:r>
-              <a:rPr lang="pt-BR" smtClean="0"/>
+              <a:rPr lang="pt-BR"/>
               <a:t>Editar estilos de texto Mestre</a:t>
             </a:r>
-            <a:endParaRPr lang="pt-BR" smtClean="0"/>
           </a:p>
           <a:p>
             <a:pPr lvl="1"/>
             <a:r>
-              <a:rPr lang="pt-BR" smtClean="0"/>
+              <a:rPr lang="pt-BR"/>
               <a:t>Segundo nível</a:t>
             </a:r>
-            <a:endParaRPr lang="pt-BR" smtClean="0"/>
           </a:p>
           <a:p>
             <a:pPr lvl="2"/>
             <a:r>
-              <a:rPr lang="pt-BR" smtClean="0"/>
+              <a:rPr lang="pt-BR"/>
               <a:t>Terceiro nível</a:t>
             </a:r>
-            <a:endParaRPr lang="pt-BR" smtClean="0"/>
           </a:p>
           <a:p>
             <a:pPr lvl="3"/>
             <a:r>
-              <a:rPr lang="pt-BR" smtClean="0"/>
+              <a:rPr lang="pt-BR"/>
               <a:t>Quarto nível</a:t>
             </a:r>
-            <a:endParaRPr lang="pt-BR" smtClean="0"/>
           </a:p>
           <a:p>
             <a:pPr lvl="4"/>
             <a:r>
-              <a:rPr lang="pt-BR" smtClean="0"/>
+              <a:rPr lang="pt-BR"/>
               <a:t>Quinto nível</a:t>
             </a:r>
-            <a:endParaRPr lang="pt-BR"/>
           </a:p>
         </p:txBody>
       </p:sp>
@@ -2492,7 +2457,7 @@
         <p:nvSpPr>
           <p:cNvPr id="4" name="Espaço Reservado para Data 3"/>
           <p:cNvSpPr>
-            <a:spLocks noGrp="true"/>
+            <a:spLocks noGrp="1"/>
           </p:cNvSpPr>
           <p:nvPr>
             <p:ph type="dt" sz="half" idx="2"/>
@@ -2523,6 +2488,7 @@
           <a:p>
             <a:fld id="{8F2AB003-24C4-473B-9A1E-D9D5BD42203F}" type="datetimeFigureOut">
               <a:rPr lang="pt-BR" smtClean="0"/>
+              <a:t>14/12/2020</a:t>
             </a:fld>
             <a:endParaRPr lang="pt-BR"/>
           </a:p>
@@ -2532,7 +2498,7 @@
         <p:nvSpPr>
           <p:cNvPr id="5" name="Espaço Reservado para Rodapé 4"/>
           <p:cNvSpPr>
-            <a:spLocks noGrp="true"/>
+            <a:spLocks noGrp="1"/>
           </p:cNvSpPr>
           <p:nvPr>
             <p:ph type="ftr" sz="quarter" idx="3"/>
@@ -2569,7 +2535,7 @@
         <p:nvSpPr>
           <p:cNvPr id="6" name="Espaço Reservado para Número de Slide 5"/>
           <p:cNvSpPr>
-            <a:spLocks noGrp="true"/>
+            <a:spLocks noGrp="1"/>
           </p:cNvSpPr>
           <p:nvPr>
             <p:ph type="sldNum" sz="quarter" idx="4"/>
@@ -2600,6 +2566,7 @@
           <a:p>
             <a:fld id="{6D0ED2A8-B42A-4DB8-96DB-42BD40AFEBFA}" type="slidenum">
               <a:rPr lang="pt-BR" smtClean="0"/>
+              <a:t>‹nº›</a:t>
             </a:fld>
             <a:endParaRPr lang="pt-BR"/>
           </a:p>
@@ -2987,15 +2954,15 @@
           <p:nvPicPr>
             <p:cNvPr id="6" name="Imagem 5"/>
             <p:cNvPicPr>
-              <a:picLocks noChangeAspect="true"/>
+              <a:picLocks noChangeAspect="1"/>
             </p:cNvPicPr>
             <p:nvPr/>
           </p:nvPicPr>
           <p:blipFill>
-            <a:blip r:embed="rId1">
+            <a:blip r:embed="rId2">
               <a:extLst>
                 <a:ext uri="{28A0092B-C50C-407E-A947-70E740481C1C}">
-                  <a14:useLocalDpi xmlns:a14="http://schemas.microsoft.com/office/drawing/2010/main" val="false"/>
+                  <a14:useLocalDpi xmlns:a14="http://schemas.microsoft.com/office/drawing/2010/main" val="0"/>
                 </a:ext>
               </a:extLst>
             </a:blip>
@@ -3017,15 +2984,15 @@
           <p:nvPicPr>
             <p:cNvPr id="7" name="Imagem 6"/>
             <p:cNvPicPr>
-              <a:picLocks noChangeAspect="true"/>
+              <a:picLocks noChangeAspect="1"/>
             </p:cNvPicPr>
             <p:nvPr/>
           </p:nvPicPr>
           <p:blipFill>
-            <a:blip r:embed="rId2" cstate="print">
+            <a:blip r:embed="rId3" cstate="print">
               <a:extLst>
                 <a:ext uri="{28A0092B-C50C-407E-A947-70E740481C1C}">
-                  <a14:useLocalDpi xmlns:a14="http://schemas.microsoft.com/office/drawing/2010/main" val="false"/>
+                  <a14:useLocalDpi xmlns:a14="http://schemas.microsoft.com/office/drawing/2010/main" val="0"/>
                 </a:ext>
               </a:extLst>
             </a:blip>
@@ -3047,15 +3014,15 @@
           <p:nvPicPr>
             <p:cNvPr id="8" name="Imagem 7"/>
             <p:cNvPicPr>
-              <a:picLocks noChangeAspect="true"/>
+              <a:picLocks noChangeAspect="1"/>
             </p:cNvPicPr>
             <p:nvPr/>
           </p:nvPicPr>
           <p:blipFill>
-            <a:blip r:embed="rId3" cstate="print">
+            <a:blip r:embed="rId4" cstate="print">
               <a:extLst>
                 <a:ext uri="{28A0092B-C50C-407E-A947-70E740481C1C}">
-                  <a14:useLocalDpi xmlns:a14="http://schemas.microsoft.com/office/drawing/2010/main" val="false"/>
+                  <a14:useLocalDpi xmlns:a14="http://schemas.microsoft.com/office/drawing/2010/main" val="0"/>
                 </a:ext>
               </a:extLst>
             </a:blip>
@@ -3077,15 +3044,15 @@
           <p:nvPicPr>
             <p:cNvPr id="9" name="Imagem 8"/>
             <p:cNvPicPr>
-              <a:picLocks noChangeAspect="true"/>
+              <a:picLocks noChangeAspect="1"/>
             </p:cNvPicPr>
             <p:nvPr/>
           </p:nvPicPr>
           <p:blipFill>
-            <a:blip r:embed="rId4" cstate="print">
+            <a:blip r:embed="rId5" cstate="print">
               <a:extLst>
                 <a:ext uri="{28A0092B-C50C-407E-A947-70E740481C1C}">
-                  <a14:useLocalDpi xmlns:a14="http://schemas.microsoft.com/office/drawing/2010/main" val="false"/>
+                  <a14:useLocalDpi xmlns:a14="http://schemas.microsoft.com/office/drawing/2010/main" val="0"/>
                 </a:ext>
               </a:extLst>
             </a:blip>
@@ -3107,15 +3074,15 @@
           <p:nvPicPr>
             <p:cNvPr id="10" name="Imagem 9"/>
             <p:cNvPicPr>
-              <a:picLocks noChangeAspect="true"/>
+              <a:picLocks noChangeAspect="1"/>
             </p:cNvPicPr>
             <p:nvPr/>
           </p:nvPicPr>
           <p:blipFill>
-            <a:blip r:embed="rId5" cstate="print">
+            <a:blip r:embed="rId6" cstate="print">
               <a:extLst>
                 <a:ext uri="{28A0092B-C50C-407E-A947-70E740481C1C}">
-                  <a14:useLocalDpi xmlns:a14="http://schemas.microsoft.com/office/drawing/2010/main" val="false"/>
+                  <a14:useLocalDpi xmlns:a14="http://schemas.microsoft.com/office/drawing/2010/main" val="0"/>
                 </a:ext>
               </a:extLst>
             </a:blip>
@@ -3136,7 +3103,7 @@
         <p:sp>
           <p:nvSpPr>
             <p:cNvPr id="11" name="CaixaDeTexto 10"/>
-            <p:cNvSpPr txBox="true"/>
+            <p:cNvSpPr txBox="1"/>
             <p:nvPr/>
           </p:nvSpPr>
           <p:spPr>
@@ -3157,21 +3124,18 @@
             <a:p>
               <a:pPr algn="ctr"/>
               <a:r>
-                <a:rPr lang="pt-BR" sz="2000" b="1" dirty="0" smtClean="0">
+                <a:rPr lang="pt-BR" sz="2000" b="1" dirty="0">
                   <a:latin typeface="Lucida Console" panose="020B0609040504020204" pitchFamily="49" charset="0"/>
                 </a:rPr>
                 <a:t>&lt;site&gt;</a:t>
               </a:r>
-              <a:endParaRPr lang="pt-BR" sz="2000" b="1" dirty="0">
-                <a:latin typeface="Lucida Console" panose="020B0609040504020204" pitchFamily="49" charset="0"/>
-              </a:endParaRPr>
             </a:p>
           </p:txBody>
         </p:sp>
         <p:sp>
           <p:nvSpPr>
             <p:cNvPr id="12" name="CaixaDeTexto 11"/>
-            <p:cNvSpPr txBox="true"/>
+            <p:cNvSpPr txBox="1"/>
             <p:nvPr/>
           </p:nvSpPr>
           <p:spPr>
@@ -3194,7 +3158,7 @@
             <a:p>
               <a:pPr algn="ctr"/>
               <a:r>
-                <a:rPr lang="pt-BR" sz="1400" dirty="0" smtClean="0">
+                <a:rPr lang="pt-BR" sz="1400" dirty="0">
                   <a:solidFill>
                     <a:schemeClr val="bg1"/>
                   </a:solidFill>
@@ -3202,7 +3166,7 @@
                 <a:t>Nuvem </a:t>
               </a:r>
               <a:r>
-                <a:rPr lang="pt-BR" sz="1400" dirty="0" err="1" smtClean="0">
+                <a:rPr lang="pt-BR" sz="1400" dirty="0" err="1">
                   <a:solidFill>
                     <a:schemeClr val="bg1"/>
                   </a:solidFill>
@@ -3221,15 +3185,15 @@
           <p:nvPicPr>
             <p:cNvPr id="13" name="Imagem 12"/>
             <p:cNvPicPr>
-              <a:picLocks noChangeAspect="true"/>
+              <a:picLocks noChangeAspect="1"/>
             </p:cNvPicPr>
             <p:nvPr/>
           </p:nvPicPr>
           <p:blipFill>
-            <a:blip r:embed="rId6" cstate="print">
+            <a:blip r:embed="rId7" cstate="print">
               <a:extLst>
                 <a:ext uri="{28A0092B-C50C-407E-A947-70E740481C1C}">
-                  <a14:useLocalDpi xmlns:a14="http://schemas.microsoft.com/office/drawing/2010/main" val="false"/>
+                  <a14:useLocalDpi xmlns:a14="http://schemas.microsoft.com/office/drawing/2010/main" val="0"/>
                 </a:ext>
               </a:extLst>
             </a:blip>
@@ -3314,15 +3278,15 @@
           <p:nvPicPr>
             <p:cNvPr id="16" name="Imagem 15"/>
             <p:cNvPicPr>
-              <a:picLocks noChangeAspect="true"/>
+              <a:picLocks noChangeAspect="1"/>
             </p:cNvPicPr>
             <p:nvPr/>
           </p:nvPicPr>
           <p:blipFill>
-            <a:blip r:embed="rId7" cstate="print">
+            <a:blip r:embed="rId8" cstate="print">
               <a:extLst>
                 <a:ext uri="{28A0092B-C50C-407E-A947-70E740481C1C}">
-                  <a14:useLocalDpi xmlns:a14="http://schemas.microsoft.com/office/drawing/2010/main" val="false"/>
+                  <a14:useLocalDpi xmlns:a14="http://schemas.microsoft.com/office/drawing/2010/main" val="0"/>
                 </a:ext>
               </a:extLst>
             </a:blip>
@@ -3343,7 +3307,7 @@
         <p:sp>
           <p:nvSpPr>
             <p:cNvPr id="17" name="CaixaDeTexto 16"/>
-            <p:cNvSpPr txBox="true"/>
+            <p:cNvSpPr txBox="1"/>
             <p:nvPr/>
           </p:nvSpPr>
           <p:spPr>
@@ -3366,18 +3330,13 @@
             <a:p>
               <a:pPr algn="ctr"/>
               <a:r>
-                <a:rPr lang="pt-BR" sz="1400" dirty="0" smtClean="0">
+                <a:rPr lang="pt-BR" sz="1400" dirty="0">
                   <a:solidFill>
                     <a:schemeClr val="bg1"/>
                   </a:solidFill>
                 </a:rPr>
                 <a:t>Nuvem AWS</a:t>
               </a:r>
-              <a:endParaRPr lang="pt-BR" sz="1400" dirty="0">
-                <a:solidFill>
-                  <a:schemeClr val="bg1"/>
-                </a:solidFill>
-              </a:endParaRPr>
             </a:p>
           </p:txBody>
         </p:sp>
@@ -3399,15 +3358,15 @@
             <p:nvPicPr>
               <p:cNvPr id="19" name="Imagem 18"/>
               <p:cNvPicPr>
-                <a:picLocks noChangeAspect="true"/>
+                <a:picLocks noChangeAspect="1"/>
               </p:cNvPicPr>
               <p:nvPr/>
             </p:nvPicPr>
-            <p:blipFill rotWithShape="true">
-              <a:blip r:embed="rId8" cstate="print">
+            <p:blipFill rotWithShape="1">
+              <a:blip r:embed="rId9" cstate="print">
                 <a:extLst>
                   <a:ext uri="{28A0092B-C50C-407E-A947-70E740481C1C}">
-                    <a14:useLocalDpi xmlns:a14="http://schemas.microsoft.com/office/drawing/2010/main" val="false"/>
+                    <a14:useLocalDpi xmlns:a14="http://schemas.microsoft.com/office/drawing/2010/main" val="0"/>
                   </a:ext>
                 </a:extLst>
               </a:blip>
@@ -3429,7 +3388,7 @@
           <p:sp>
             <p:nvSpPr>
               <p:cNvPr id="20" name="CaixaDeTexto 19"/>
-              <p:cNvSpPr txBox="true"/>
+              <p:cNvSpPr txBox="1"/>
               <p:nvPr/>
             </p:nvSpPr>
             <p:spPr>
@@ -3451,7 +3410,7 @@
               <a:lstStyle/>
               <a:p>
                 <a:r>
-                  <a:rPr lang="pt-BR" b="1" dirty="0" smtClean="0">
+                  <a:rPr lang="pt-BR" b="1" dirty="0">
                     <a:solidFill>
                       <a:schemeClr val="bg1"/>
                     </a:solidFill>
@@ -3459,12 +3418,6 @@
                   </a:rPr>
                   <a:t>OSHI</a:t>
                 </a:r>
-                <a:endParaRPr lang="pt-BR" b="1" dirty="0">
-                  <a:solidFill>
-                    <a:schemeClr val="bg1"/>
-                  </a:solidFill>
-                  <a:latin typeface="Berlin Sans FB Demi" panose="020E0802020502020306" pitchFamily="34" charset="0"/>
-                </a:endParaRPr>
               </a:p>
             </p:txBody>
           </p:sp>
@@ -3522,7 +3475,7 @@
                   </a:ln>
                 </p:spPr>
                 <p:txBody>
-                  <a:bodyPr spcFirstLastPara="1" wrap="square" lIns="91425" tIns="91425" rIns="91425" bIns="91425" anchor="ctr" anchorCtr="false">
+                  <a:bodyPr spcFirstLastPara="1" wrap="square" lIns="91425" tIns="91425" rIns="91425" bIns="91425" anchor="ctr" anchorCtr="0">
                     <a:noAutofit/>
                   </a:bodyPr>
                   <a:lstStyle/>
@@ -3558,7 +3511,7 @@
                     <a:cxnLst/>
                     <a:rect l="l" t="t" r="r" b="b"/>
                     <a:pathLst>
-                      <a:path w="65999" h="24926" extrusionOk="false">
+                      <a:path w="65999" h="24926" extrusionOk="0">
                         <a:moveTo>
                           <a:pt x="13372" y="0"/>
                         </a:moveTo>
@@ -3675,7 +3628,7 @@
                   </a:ln>
                 </p:spPr>
                 <p:txBody>
-                  <a:bodyPr spcFirstLastPara="1" wrap="square" lIns="91425" tIns="91425" rIns="91425" bIns="91425" anchor="ctr" anchorCtr="false">
+                  <a:bodyPr spcFirstLastPara="1" wrap="square" lIns="91425" tIns="91425" rIns="91425" bIns="91425" anchor="ctr" anchorCtr="0">
                     <a:noAutofit/>
                   </a:bodyPr>
                   <a:lstStyle/>
@@ -3721,7 +3674,7 @@
                   </a:ln>
                 </p:spPr>
                 <p:txBody>
-                  <a:bodyPr spcFirstLastPara="1" wrap="square" lIns="91425" tIns="91425" rIns="91425" bIns="91425" anchor="ctr" anchorCtr="false">
+                  <a:bodyPr spcFirstLastPara="1" wrap="square" lIns="91425" tIns="91425" rIns="91425" bIns="91425" anchor="ctr" anchorCtr="0">
                     <a:noAutofit/>
                   </a:bodyPr>
                   <a:lstStyle/>
@@ -3779,7 +3732,7 @@
           <p:nvPr/>
         </p:nvCxnSpPr>
         <p:spPr>
-          <a:xfrm flipH="true" flipV="true">
+          <a:xfrm flipH="1" flipV="1">
             <a:off x="2058414" y="3121621"/>
             <a:ext cx="4152" cy="732462"/>
           </a:xfrm>
@@ -3875,7 +3828,7 @@
         <p:sp>
           <p:nvSpPr>
             <p:cNvPr id="34" name="CaixaDeTexto 33"/>
-            <p:cNvSpPr txBox="true"/>
+            <p:cNvSpPr txBox="1"/>
             <p:nvPr/>
           </p:nvSpPr>
           <p:spPr>
@@ -3898,18 +3851,13 @@
             <a:p>
               <a:pPr algn="ctr"/>
               <a:r>
-                <a:rPr lang="pt-BR" sz="1400" dirty="0" smtClean="0">
+                <a:rPr lang="pt-BR" sz="1400" dirty="0">
                   <a:solidFill>
                     <a:schemeClr val="bg1"/>
                   </a:solidFill>
                 </a:rPr>
                 <a:t>Estação do usuário</a:t>
               </a:r>
-              <a:endParaRPr lang="pt-BR" sz="1400" dirty="0">
-                <a:solidFill>
-                  <a:schemeClr val="bg1"/>
-                </a:solidFill>
-              </a:endParaRPr>
             </a:p>
           </p:txBody>
         </p:sp>
@@ -3931,15 +3879,15 @@
             <p:nvPicPr>
               <p:cNvPr id="36" name="Imagem 35"/>
               <p:cNvPicPr>
-                <a:picLocks noChangeAspect="true"/>
+                <a:picLocks noChangeAspect="1"/>
               </p:cNvPicPr>
               <p:nvPr/>
             </p:nvPicPr>
-            <p:blipFill rotWithShape="true">
-              <a:blip r:embed="rId8" cstate="print">
+            <p:blipFill rotWithShape="1">
+              <a:blip r:embed="rId9" cstate="print">
                 <a:extLst>
                   <a:ext uri="{28A0092B-C50C-407E-A947-70E740481C1C}">
-                    <a14:useLocalDpi xmlns:a14="http://schemas.microsoft.com/office/drawing/2010/main" val="false"/>
+                    <a14:useLocalDpi xmlns:a14="http://schemas.microsoft.com/office/drawing/2010/main" val="0"/>
                   </a:ext>
                 </a:extLst>
               </a:blip>
@@ -3961,7 +3909,7 @@
           <p:sp>
             <p:nvSpPr>
               <p:cNvPr id="37" name="CaixaDeTexto 36"/>
-              <p:cNvSpPr txBox="true"/>
+              <p:cNvSpPr txBox="1"/>
               <p:nvPr/>
             </p:nvSpPr>
             <p:spPr>
@@ -3983,7 +3931,7 @@
               <a:lstStyle/>
               <a:p>
                 <a:r>
-                  <a:rPr lang="pt-BR" b="1" dirty="0" smtClean="0">
+                  <a:rPr lang="pt-BR" b="1" dirty="0">
                     <a:solidFill>
                       <a:schemeClr val="bg1"/>
                     </a:solidFill>
@@ -3991,12 +3939,6 @@
                   </a:rPr>
                   <a:t>OSHI</a:t>
                 </a:r>
-                <a:endParaRPr lang="pt-BR" b="1" dirty="0">
-                  <a:solidFill>
-                    <a:schemeClr val="bg1"/>
-                  </a:solidFill>
-                  <a:latin typeface="Berlin Sans FB Demi" panose="020E0802020502020306" pitchFamily="34" charset="0"/>
-                </a:endParaRPr>
               </a:p>
             </p:txBody>
           </p:sp>
@@ -4054,7 +3996,7 @@
                   </a:ln>
                 </p:spPr>
                 <p:txBody>
-                  <a:bodyPr spcFirstLastPara="1" wrap="square" lIns="91425" tIns="91425" rIns="91425" bIns="91425" anchor="ctr" anchorCtr="false">
+                  <a:bodyPr spcFirstLastPara="1" wrap="square" lIns="91425" tIns="91425" rIns="91425" bIns="91425" anchor="ctr" anchorCtr="0">
                     <a:noAutofit/>
                   </a:bodyPr>
                   <a:lstStyle/>
@@ -4090,7 +4032,7 @@
                     <a:cxnLst/>
                     <a:rect l="l" t="t" r="r" b="b"/>
                     <a:pathLst>
-                      <a:path w="65999" h="24926" extrusionOk="false">
+                      <a:path w="65999" h="24926" extrusionOk="0">
                         <a:moveTo>
                           <a:pt x="13372" y="0"/>
                         </a:moveTo>
@@ -4207,7 +4149,7 @@
                   </a:ln>
                 </p:spPr>
                 <p:txBody>
-                  <a:bodyPr spcFirstLastPara="1" wrap="square" lIns="91425" tIns="91425" rIns="91425" bIns="91425" anchor="ctr" anchorCtr="false">
+                  <a:bodyPr spcFirstLastPara="1" wrap="square" lIns="91425" tIns="91425" rIns="91425" bIns="91425" anchor="ctr" anchorCtr="0">
                     <a:noAutofit/>
                   </a:bodyPr>
                   <a:lstStyle/>
@@ -4253,7 +4195,7 @@
                   </a:ln>
                 </p:spPr>
                 <p:txBody>
-                  <a:bodyPr spcFirstLastPara="1" wrap="square" lIns="91425" tIns="91425" rIns="91425" bIns="91425" anchor="ctr" anchorCtr="false">
+                  <a:bodyPr spcFirstLastPara="1" wrap="square" lIns="91425" tIns="91425" rIns="91425" bIns="91425" anchor="ctr" anchorCtr="0">
                     <a:noAutofit/>
                   </a:bodyPr>
                   <a:lstStyle/>
@@ -4366,7 +4308,7 @@
         <p:sp>
           <p:nvSpPr>
             <p:cNvPr id="47" name="CaixaDeTexto 46"/>
-            <p:cNvSpPr txBox="true"/>
+            <p:cNvSpPr txBox="1"/>
             <p:nvPr/>
           </p:nvSpPr>
           <p:spPr>
@@ -4389,18 +4331,13 @@
             <a:p>
               <a:pPr algn="ctr"/>
               <a:r>
-                <a:rPr lang="pt-BR" sz="1400" dirty="0" smtClean="0">
+                <a:rPr lang="pt-BR" sz="1400" dirty="0">
                   <a:solidFill>
                     <a:schemeClr val="bg1"/>
                   </a:solidFill>
                 </a:rPr>
                 <a:t>Dashboard</a:t>
               </a:r>
-              <a:endParaRPr lang="pt-BR" sz="1400" dirty="0">
-                <a:solidFill>
-                  <a:schemeClr val="bg1"/>
-                </a:solidFill>
-              </a:endParaRPr>
             </a:p>
           </p:txBody>
         </p:sp>
@@ -4408,15 +4345,15 @@
           <p:nvPicPr>
             <p:cNvPr id="48" name="Imagem 47"/>
             <p:cNvPicPr>
-              <a:picLocks noChangeAspect="true"/>
+              <a:picLocks noChangeAspect="1"/>
             </p:cNvPicPr>
             <p:nvPr/>
           </p:nvPicPr>
           <p:blipFill>
-            <a:blip r:embed="rId9" cstate="print">
+            <a:blip r:embed="rId10" cstate="print">
               <a:extLst>
                 <a:ext uri="{28A0092B-C50C-407E-A947-70E740481C1C}">
-                  <a14:useLocalDpi xmlns:a14="http://schemas.microsoft.com/office/drawing/2010/main" val="false"/>
+                  <a14:useLocalDpi xmlns:a14="http://schemas.microsoft.com/office/drawing/2010/main" val="0"/>
                 </a:ext>
               </a:extLst>
             </a:blip>
@@ -4438,16 +4375,16 @@
           <p:nvPicPr>
             <p:cNvPr id="49" name="Imagem 48"/>
             <p:cNvPicPr>
-              <a:picLocks noChangeAspect="true"/>
+              <a:picLocks noChangeAspect="1"/>
             </p:cNvPicPr>
             <p:nvPr/>
           </p:nvPicPr>
           <p:blipFill>
-            <a:blip r:embed="rId10" cstate="print">
+            <a:blip r:embed="rId11" cstate="print">
               <a:extLst>
                 <a:ext uri="{BEBA8EAE-BF5A-486C-A8C5-ECC9F3942E4B}">
                   <a14:imgProps xmlns:a14="http://schemas.microsoft.com/office/drawing/2010/main">
-                    <a14:imgLayer r:embed="rId11">
+                    <a14:imgLayer r:embed="rId12">
                       <a14:imgEffect>
                         <a14:backgroundRemoval t="10000" b="90000" l="889" r="98667">
                           <a14:foregroundMark x1="28222" y1="49667" x2="28222" y2="49667"/>
@@ -4465,7 +4402,7 @@
                   </a14:imgProps>
                 </a:ext>
                 <a:ext uri="{28A0092B-C50C-407E-A947-70E740481C1C}">
-                  <a14:useLocalDpi xmlns:a14="http://schemas.microsoft.com/office/drawing/2010/main" val="false"/>
+                  <a14:useLocalDpi xmlns:a14="http://schemas.microsoft.com/office/drawing/2010/main" val="0"/>
                 </a:ext>
               </a:extLst>
             </a:blip>
@@ -4487,15 +4424,15 @@
           <p:nvPicPr>
             <p:cNvPr id="50" name="Picture 6" descr="Gestão | Ícone Gratis"/>
             <p:cNvPicPr>
-              <a:picLocks noChangeAspect="true" noChangeArrowheads="true"/>
+              <a:picLocks noChangeAspect="1" noChangeArrowheads="1"/>
             </p:cNvPicPr>
             <p:nvPr/>
           </p:nvPicPr>
           <p:blipFill>
-            <a:blip r:embed="rId12" cstate="print">
+            <a:blip r:embed="rId13" cstate="print">
               <a:extLst>
                 <a:ext uri="{28A0092B-C50C-407E-A947-70E740481C1C}">
-                  <a14:useLocalDpi xmlns:a14="http://schemas.microsoft.com/office/drawing/2010/main" val="false"/>
+                  <a14:useLocalDpi xmlns:a14="http://schemas.microsoft.com/office/drawing/2010/main" val="0"/>
                 </a:ext>
               </a:extLst>
             </a:blip>
@@ -4528,15 +4465,15 @@
           <p:nvPicPr>
             <p:cNvPr id="51" name="Picture 8" descr="Relatórios - ícones de diversos grátis"/>
             <p:cNvPicPr>
-              <a:picLocks noChangeAspect="true" noChangeArrowheads="true"/>
+              <a:picLocks noChangeAspect="1" noChangeArrowheads="1"/>
             </p:cNvPicPr>
             <p:nvPr/>
           </p:nvPicPr>
           <p:blipFill>
-            <a:blip r:embed="rId13" cstate="print">
+            <a:blip r:embed="rId14" cstate="print">
               <a:extLst>
                 <a:ext uri="{28A0092B-C50C-407E-A947-70E740481C1C}">
-                  <a14:useLocalDpi xmlns:a14="http://schemas.microsoft.com/office/drawing/2010/main" val="false"/>
+                  <a14:useLocalDpi xmlns:a14="http://schemas.microsoft.com/office/drawing/2010/main" val="0"/>
                 </a:ext>
               </a:extLst>
             </a:blip>
@@ -4568,7 +4505,7 @@
         <p:sp>
           <p:nvSpPr>
             <p:cNvPr id="52" name="CaixaDeTexto 51"/>
-            <p:cNvSpPr txBox="true"/>
+            <p:cNvSpPr txBox="1"/>
             <p:nvPr/>
           </p:nvSpPr>
           <p:spPr>
@@ -4591,25 +4528,20 @@
             <a:p>
               <a:pPr algn="ctr"/>
               <a:r>
-                <a:rPr lang="pt-BR" sz="1000" dirty="0" smtClean="0">
+                <a:rPr lang="pt-BR" sz="1000" dirty="0">
                   <a:solidFill>
                     <a:schemeClr val="bg1"/>
                   </a:solidFill>
                 </a:rPr>
                 <a:t>Gestão</a:t>
               </a:r>
-              <a:endParaRPr lang="pt-BR" sz="1000" dirty="0">
-                <a:solidFill>
-                  <a:schemeClr val="bg1"/>
-                </a:solidFill>
-              </a:endParaRPr>
             </a:p>
           </p:txBody>
         </p:sp>
         <p:sp>
           <p:nvSpPr>
             <p:cNvPr id="53" name="CaixaDeTexto 52"/>
-            <p:cNvSpPr txBox="true"/>
+            <p:cNvSpPr txBox="1"/>
             <p:nvPr/>
           </p:nvSpPr>
           <p:spPr>
@@ -4632,18 +4564,13 @@
             <a:p>
               <a:pPr algn="ctr"/>
               <a:r>
-                <a:rPr lang="pt-BR" sz="1000" dirty="0" smtClean="0">
+                <a:rPr lang="pt-BR" sz="1000" dirty="0">
                   <a:solidFill>
                     <a:schemeClr val="bg1"/>
                   </a:solidFill>
                 </a:rPr>
                 <a:t>Relatórios</a:t>
               </a:r>
-              <a:endParaRPr lang="pt-BR" sz="1000" dirty="0">
-                <a:solidFill>
-                  <a:schemeClr val="bg1"/>
-                </a:solidFill>
-              </a:endParaRPr>
             </a:p>
           </p:txBody>
         </p:sp>
@@ -4695,7 +4622,7 @@
           <p:nvPr/>
         </p:nvCxnSpPr>
         <p:spPr>
-          <a:xfrm flipH="true">
+          <a:xfrm flipH="1">
             <a:off x="3837709" y="1172238"/>
             <a:ext cx="1568922" cy="11837"/>
           </a:xfrm>
@@ -4733,7 +4660,7 @@
           <p:nvPr/>
         </p:nvCxnSpPr>
         <p:spPr>
-          <a:xfrm flipV="true">
+          <a:xfrm flipV="1">
             <a:off x="7397719" y="3103418"/>
             <a:ext cx="14463" cy="13855"/>
           </a:xfrm>
@@ -4802,15 +4729,15 @@
         <p:nvPicPr>
           <p:cNvPr id="66" name="Picture 12" descr="PHPSP | Como Contribuir"/>
           <p:cNvPicPr>
-            <a:picLocks noChangeAspect="true" noChangeArrowheads="true"/>
+            <a:picLocks noChangeAspect="1" noChangeArrowheads="1"/>
           </p:cNvPicPr>
           <p:nvPr/>
         </p:nvPicPr>
         <p:blipFill>
-          <a:blip r:embed="rId14" cstate="print">
+          <a:blip r:embed="rId15" cstate="print">
             <a:extLst>
               <a:ext uri="{28A0092B-C50C-407E-A947-70E740481C1C}">
-                <a14:useLocalDpi xmlns:a14="http://schemas.microsoft.com/office/drawing/2010/main" val="false"/>
+                <a14:useLocalDpi xmlns:a14="http://schemas.microsoft.com/office/drawing/2010/main" val="0"/>
               </a:ext>
             </a:extLst>
           </a:blip>
@@ -4945,7 +4872,7 @@
         <p:sp>
           <p:nvSpPr>
             <p:cNvPr id="74" name="CaixaDeTexto 73"/>
-            <p:cNvSpPr txBox="true"/>
+            <p:cNvSpPr txBox="1"/>
             <p:nvPr/>
           </p:nvSpPr>
           <p:spPr>
@@ -4968,18 +4895,13 @@
             <a:p>
               <a:pPr algn="ctr"/>
               <a:r>
-                <a:rPr lang="pt-BR" sz="1400" dirty="0" smtClean="0">
+                <a:rPr lang="pt-BR" sz="1400" dirty="0">
                   <a:solidFill>
                     <a:schemeClr val="bg1"/>
                   </a:solidFill>
                 </a:rPr>
                 <a:t>Estação de alertas</a:t>
               </a:r>
-              <a:endParaRPr lang="pt-BR" sz="1400" dirty="0">
-                <a:solidFill>
-                  <a:schemeClr val="bg1"/>
-                </a:solidFill>
-              </a:endParaRPr>
             </a:p>
           </p:txBody>
         </p:sp>
@@ -5001,7 +4923,7 @@
               <a:cxnLst/>
               <a:rect l="l" t="t" r="r" b="b"/>
               <a:pathLst>
-                <a:path w="103480" h="206345" extrusionOk="false">
+                <a:path w="103480" h="206345" extrusionOk="0">
                   <a:moveTo>
                     <a:pt x="61741" y="8558"/>
                   </a:moveTo>
@@ -5215,7 +5137,7 @@
             </a:ln>
           </p:spPr>
           <p:txBody>
-            <a:bodyPr spcFirstLastPara="1" wrap="square" lIns="91425" tIns="91425" rIns="91425" bIns="91425" anchor="ctr" anchorCtr="false">
+            <a:bodyPr spcFirstLastPara="1" wrap="square" lIns="91425" tIns="91425" rIns="91425" bIns="91425" anchor="ctr" anchorCtr="0">
               <a:noAutofit/>
             </a:bodyPr>
             <a:lstStyle/>
@@ -5235,58 +5157,17 @@
         </p:sp>
         <p:pic>
           <p:nvPicPr>
-            <p:cNvPr id="76" name="Picture 2" descr="slack - ícones de mídia social grátis"/>
+            <p:cNvPr id="77" name="Imagem 76"/>
             <p:cNvPicPr>
-              <a:picLocks noChangeAspect="true" noChangeArrowheads="true"/>
+              <a:picLocks noChangeAspect="1"/>
             </p:cNvPicPr>
             <p:nvPr/>
           </p:nvPicPr>
-          <p:blipFill>
-            <a:blip r:embed="rId15" cstate="print">
-              <a:extLst>
-                <a:ext uri="{28A0092B-C50C-407E-A947-70E740481C1C}">
-                  <a14:useLocalDpi xmlns:a14="http://schemas.microsoft.com/office/drawing/2010/main" val="false"/>
-                </a:ext>
-              </a:extLst>
-            </a:blip>
-            <a:srcRect/>
-            <a:stretch>
-              <a:fillRect/>
-            </a:stretch>
-          </p:blipFill>
-          <p:spPr bwMode="auto">
-            <a:xfrm>
-              <a:off x="3847698" y="1185632"/>
-              <a:ext cx="365030" cy="365030"/>
-            </a:xfrm>
-            <a:prstGeom prst="rect">
-              <a:avLst/>
-            </a:prstGeom>
-            <a:noFill/>
-            <a:extLst>
-              <a:ext uri="{909E8E84-426E-40DD-AFC4-6F175D3DCCD1}">
-                <a14:hiddenFill xmlns:a14="http://schemas.microsoft.com/office/drawing/2010/main">
-                  <a:solidFill>
-                    <a:srgbClr val="FFFFFF"/>
-                  </a:solidFill>
-                </a14:hiddenFill>
-              </a:ext>
-            </a:extLst>
-          </p:spPr>
-        </p:pic>
-        <p:pic>
-          <p:nvPicPr>
-            <p:cNvPr id="77" name="Imagem 76"/>
-            <p:cNvPicPr>
-              <a:picLocks noChangeAspect="true"/>
-            </p:cNvPicPr>
-            <p:nvPr/>
-          </p:nvPicPr>
-          <p:blipFill rotWithShape="true">
+          <p:blipFill rotWithShape="1">
             <a:blip r:embed="rId16" cstate="print">
               <a:extLst>
                 <a:ext uri="{28A0092B-C50C-407E-A947-70E740481C1C}">
-                  <a14:useLocalDpi xmlns:a14="http://schemas.microsoft.com/office/drawing/2010/main" val="false"/>
+                  <a14:useLocalDpi xmlns:a14="http://schemas.microsoft.com/office/drawing/2010/main" val="0"/>
                 </a:ext>
               </a:extLst>
             </a:blip>
@@ -5313,7 +5194,7 @@
           <p:nvPr/>
         </p:nvCxnSpPr>
         <p:spPr>
-          <a:xfrm flipH="true">
+          <a:xfrm flipH="1">
             <a:off x="10288494" y="1626691"/>
             <a:ext cx="4705" cy="2680222"/>
           </a:xfrm>
@@ -5352,7 +5233,7 @@
           <p:nvPr/>
         </p:nvCxnSpPr>
         <p:spPr>
-          <a:xfrm flipV="true">
+          <a:xfrm flipV="1">
             <a:off x="10646394" y="1620791"/>
             <a:ext cx="4705" cy="2680222"/>
           </a:xfrm>
@@ -5447,11 +5328,11 @@
           <p:nvPicPr>
             <p:cNvPr id="87" name="Picture 4" descr="Integração do Zendesk — amoCRM"/>
             <p:cNvPicPr>
-              <a:picLocks noChangeAspect="true" noChangeArrowheads="true"/>
+              <a:picLocks noChangeAspect="1" noChangeArrowheads="1"/>
             </p:cNvPicPr>
             <p:nvPr/>
           </p:nvPicPr>
-          <p:blipFill rotWithShape="true">
+          <p:blipFill rotWithShape="1">
             <a:blip r:embed="rId17" cstate="print">
               <a:extLst>
                 <a:ext uri="{BEBA8EAE-BF5A-486C-A8C5-ECC9F3942E4B}">
@@ -5475,7 +5356,7 @@
                   </a14:imgProps>
                 </a:ext>
                 <a:ext uri="{28A0092B-C50C-407E-A947-70E740481C1C}">
-                  <a14:useLocalDpi xmlns:a14="http://schemas.microsoft.com/office/drawing/2010/main" val="false"/>
+                  <a14:useLocalDpi xmlns:a14="http://schemas.microsoft.com/office/drawing/2010/main" val="0"/>
                 </a:ext>
               </a:extLst>
             </a:blip>
@@ -5508,7 +5389,7 @@
           <p:nvPicPr>
             <p:cNvPr id="88" name="Picture 2" descr="Chatlio (@chatlio) | Twitter"/>
             <p:cNvPicPr>
-              <a:picLocks noChangeAspect="true" noChangeArrowheads="true"/>
+              <a:picLocks noChangeAspect="1" noChangeArrowheads="1"/>
             </p:cNvPicPr>
             <p:nvPr/>
           </p:nvPicPr>
@@ -5527,7 +5408,7 @@
                   </a14:imgProps>
                 </a:ext>
                 <a:ext uri="{28A0092B-C50C-407E-A947-70E740481C1C}">
-                  <a14:useLocalDpi xmlns:a14="http://schemas.microsoft.com/office/drawing/2010/main" val="false"/>
+                  <a14:useLocalDpi xmlns:a14="http://schemas.microsoft.com/office/drawing/2010/main" val="0"/>
                 </a:ext>
               </a:extLst>
             </a:blip>
@@ -5557,6 +5438,42 @@
           </p:spPr>
         </p:pic>
       </p:grpSp>
+      <p:pic>
+        <p:nvPicPr>
+          <p:cNvPr id="3" name="Imagem 2" descr="Ícone&#10;&#10;Descrição gerada automaticamente">
+            <a:extLst>
+              <a:ext uri="{FF2B5EF4-FFF2-40B4-BE49-F238E27FC236}">
+                <a16:creationId xmlns:a16="http://schemas.microsoft.com/office/drawing/2014/main" id="{D22A97A9-5B92-46AB-860E-6C1CC9EB6452}"/>
+              </a:ext>
+            </a:extLst>
+          </p:cNvPr>
+          <p:cNvPicPr>
+            <a:picLocks noChangeAspect="1"/>
+          </p:cNvPicPr>
+          <p:nvPr/>
+        </p:nvPicPr>
+        <p:blipFill>
+          <a:blip r:embed="rId21" cstate="print">
+            <a:extLst>
+              <a:ext uri="{28A0092B-C50C-407E-A947-70E740481C1C}">
+                <a14:useLocalDpi xmlns:a14="http://schemas.microsoft.com/office/drawing/2010/main" val="0"/>
+              </a:ext>
+            </a:extLst>
+          </a:blip>
+          <a:stretch>
+            <a:fillRect/>
+          </a:stretch>
+        </p:blipFill>
+        <p:spPr>
+          <a:xfrm>
+            <a:off x="10268949" y="4901651"/>
+            <a:ext cx="438302" cy="438302"/>
+          </a:xfrm>
+          <a:prstGeom prst="rect">
+            <a:avLst/>
+          </a:prstGeom>
+        </p:spPr>
+      </p:pic>
     </p:spTree>
   </p:cSld>
   <p:clrMapOvr>
@@ -5683,7 +5600,7 @@
         <a:solidFill>
           <a:schemeClr val="phClr"/>
         </a:solidFill>
-        <a:gradFill rotWithShape="true">
+        <a:gradFill rotWithShape="1">
           <a:gsLst>
             <a:gs pos="0">
               <a:schemeClr val="phClr">
@@ -5707,9 +5624,9 @@
               </a:schemeClr>
             </a:gs>
           </a:gsLst>
-          <a:lin ang="5400000" scaled="false"/>
+          <a:lin ang="5400000" scaled="0"/>
         </a:gradFill>
-        <a:gradFill rotWithShape="true">
+        <a:gradFill rotWithShape="1">
           <a:gsLst>
             <a:gs pos="0">
               <a:schemeClr val="phClr">
@@ -5733,7 +5650,7 @@
               </a:schemeClr>
             </a:gs>
           </a:gsLst>
-          <a:lin ang="5400000" scaled="false"/>
+          <a:lin ang="5400000" scaled="0"/>
         </a:gradFill>
       </a:fillStyleLst>
       <a:lnStyleLst>
@@ -5786,7 +5703,7 @@
             <a:satMod val="170000"/>
           </a:schemeClr>
         </a:solidFill>
-        <a:gradFill rotWithShape="true">
+        <a:gradFill rotWithShape="1">
           <a:gsLst>
             <a:gs pos="0">
               <a:schemeClr val="phClr">
@@ -5811,11 +5728,13 @@
               </a:schemeClr>
             </a:gs>
           </a:gsLst>
-          <a:lin ang="5400000" scaled="false"/>
+          <a:lin ang="5400000" scaled="0"/>
         </a:gradFill>
       </a:bgFillStyleLst>
     </a:fmtScheme>
   </a:themeElements>
+  <a:objectDefaults/>
+  <a:extraClrSchemeLst/>
   <a:extLst>
     <a:ext uri="{05A4C25C-085E-4340-85A3-A5531E510DB2}">
       <thm15:themeFamily xmlns:thm15="http://schemas.microsoft.com/office/thememl/2012/main" name="Office Theme" id="{62F939B6-93AF-4DB8-9C6B-D6C7DFDC589F}" vid="{4A3C46E8-61CC-4603-A589-7422A47A8E4A}"/>
